--- a/Powershell實戰技術 4070E120 2021 05 06.pptx
+++ b/Powershell實戰技術 4070E120 2021 05 06.pptx
@@ -16,6 +16,12 @@
     <p:sldId id="345" r:id="rId10"/>
     <p:sldId id="346" r:id="rId11"/>
     <p:sldId id="347" r:id="rId12"/>
+    <p:sldId id="348" r:id="rId13"/>
+    <p:sldId id="349" r:id="rId14"/>
+    <p:sldId id="350" r:id="rId15"/>
+    <p:sldId id="351" r:id="rId16"/>
+    <p:sldId id="352" r:id="rId17"/>
+    <p:sldId id="353" r:id="rId18"/>
   </p:sldIdLst>
   <p:sldSz cx="9144000" cy="6858000" type="screen4x3"/>
   <p:notesSz cx="6858000" cy="9144000"/>
@@ -3185,44 +3191,35 @@
           <a:chExt cx="0" cy="0"/>
         </a:xfrm>
       </p:grpSpPr>
-      <p:sp>
-        <p:nvSpPr>
-          <p:cNvPr id="2" name="標題 1"/>
-          <p:cNvSpPr>
-            <a:spLocks noGrp="1"/>
-          </p:cNvSpPr>
-          <p:nvPr>
-            <p:ph type="title"/>
-          </p:nvPr>
-        </p:nvSpPr>
-        <p:spPr/>
-        <p:txBody>
-          <a:bodyPr/>
-          <a:lstStyle/>
-          <a:p>
-            <a:endParaRPr lang="zh-TW" altLang="en-US"/>
-          </a:p>
-        </p:txBody>
-      </p:sp>
-      <p:sp>
-        <p:nvSpPr>
-          <p:cNvPr id="3" name="內容版面配置區 2"/>
-          <p:cNvSpPr>
-            <a:spLocks noGrp="1"/>
-          </p:cNvSpPr>
+      <p:pic>
+        <p:nvPicPr>
+          <p:cNvPr id="4" name="內容版面配置區 3"/>
+          <p:cNvPicPr>
+            <a:picLocks noGrp="1" noChangeAspect="1"/>
+          </p:cNvPicPr>
           <p:nvPr>
             <p:ph idx="1"/>
           </p:nvPr>
-        </p:nvSpPr>
-        <p:spPr/>
-        <p:txBody>
-          <a:bodyPr/>
-          <a:lstStyle/>
-          <a:p>
-            <a:endParaRPr lang="zh-TW" altLang="en-US"/>
-          </a:p>
-        </p:txBody>
-      </p:sp>
+        </p:nvPicPr>
+        <p:blipFill>
+          <a:blip r:embed="rId2">
+            <a:extLst>
+              <a:ext uri="{28A0092B-C50C-407E-A947-70E740481C1C}">
+                <a14:useLocalDpi xmlns:a14="http://schemas.microsoft.com/office/drawing/2010/main" val="0"/>
+              </a:ext>
+            </a:extLst>
+          </a:blip>
+          <a:stretch>
+            <a:fillRect/>
+          </a:stretch>
+        </p:blipFill>
+        <p:spPr>
+          <a:xfrm>
+            <a:off x="140504" y="174566"/>
+            <a:ext cx="8479794" cy="6540120"/>
+          </a:xfrm>
+        </p:spPr>
+      </p:pic>
     </p:spTree>
     <p:extLst>
       <p:ext uri="{BB962C8B-B14F-4D97-AF65-F5344CB8AC3E}">
@@ -3268,33 +3265,451 @@
           <a:bodyPr/>
           <a:lstStyle/>
           <a:p>
-            <a:endParaRPr lang="zh-TW" altLang="en-US"/>
-          </a:p>
-        </p:txBody>
-      </p:sp>
-      <p:sp>
-        <p:nvSpPr>
-          <p:cNvPr id="3" name="內容版面配置區 2"/>
-          <p:cNvSpPr>
-            <a:spLocks noGrp="1"/>
-          </p:cNvSpPr>
+            <a:endParaRPr lang="zh-TW" altLang="en-US" dirty="0"/>
+          </a:p>
+        </p:txBody>
+      </p:sp>
+      <p:pic>
+        <p:nvPicPr>
+          <p:cNvPr id="4" name="內容版面配置區 3"/>
+          <p:cNvPicPr>
+            <a:picLocks noGrp="1" noChangeAspect="1"/>
+          </p:cNvPicPr>
           <p:nvPr>
             <p:ph idx="1"/>
           </p:nvPr>
-        </p:nvSpPr>
-        <p:spPr/>
-        <p:txBody>
-          <a:bodyPr/>
-          <a:lstStyle/>
-          <a:p>
-            <a:endParaRPr lang="zh-TW" altLang="en-US"/>
-          </a:p>
-        </p:txBody>
-      </p:sp>
+        </p:nvPicPr>
+        <p:blipFill>
+          <a:blip r:embed="rId2">
+            <a:extLst>
+              <a:ext uri="{28A0092B-C50C-407E-A947-70E740481C1C}">
+                <a14:useLocalDpi xmlns:a14="http://schemas.microsoft.com/office/drawing/2010/main" val="0"/>
+              </a:ext>
+            </a:extLst>
+          </a:blip>
+          <a:stretch>
+            <a:fillRect/>
+          </a:stretch>
+        </p:blipFill>
+        <p:spPr>
+          <a:xfrm>
+            <a:off x="628650" y="1902527"/>
+            <a:ext cx="7886700" cy="4197534"/>
+          </a:xfrm>
+        </p:spPr>
+      </p:pic>
     </p:spTree>
     <p:extLst>
       <p:ext uri="{BB962C8B-B14F-4D97-AF65-F5344CB8AC3E}">
         <p14:creationId xmlns:p14="http://schemas.microsoft.com/office/powerpoint/2010/main" val="2038900326"/>
+      </p:ext>
+    </p:extLst>
+  </p:cSld>
+  <p:clrMapOvr>
+    <a:masterClrMapping/>
+  </p:clrMapOvr>
+</p:sld>
+</file>
+
+<file path=ppt/slides/slide12.xml><?xml version="1.0" encoding="utf-8"?>
+<p:sld xmlns:a="http://schemas.openxmlformats.org/drawingml/2006/main" xmlns:r="http://schemas.openxmlformats.org/officeDocument/2006/relationships" xmlns:p="http://schemas.openxmlformats.org/presentationml/2006/main">
+  <p:cSld>
+    <p:spTree>
+      <p:nvGrpSpPr>
+        <p:cNvPr id="1" name=""/>
+        <p:cNvGrpSpPr/>
+        <p:nvPr/>
+      </p:nvGrpSpPr>
+      <p:grpSpPr>
+        <a:xfrm>
+          <a:off x="0" y="0"/>
+          <a:ext cx="0" cy="0"/>
+          <a:chOff x="0" y="0"/>
+          <a:chExt cx="0" cy="0"/>
+        </a:xfrm>
+      </p:grpSpPr>
+      <p:sp>
+        <p:nvSpPr>
+          <p:cNvPr id="2" name="標題 1"/>
+          <p:cNvSpPr>
+            <a:spLocks noGrp="1"/>
+          </p:cNvSpPr>
+          <p:nvPr>
+            <p:ph type="title"/>
+          </p:nvPr>
+        </p:nvSpPr>
+        <p:spPr/>
+        <p:txBody>
+          <a:bodyPr/>
+          <a:lstStyle/>
+          <a:p>
+            <a:endParaRPr lang="zh-TW" altLang="en-US"/>
+          </a:p>
+        </p:txBody>
+      </p:sp>
+      <p:sp>
+        <p:nvSpPr>
+          <p:cNvPr id="3" name="內容版面配置區 2"/>
+          <p:cNvSpPr>
+            <a:spLocks noGrp="1"/>
+          </p:cNvSpPr>
+          <p:nvPr>
+            <p:ph idx="1"/>
+          </p:nvPr>
+        </p:nvSpPr>
+        <p:spPr/>
+        <p:txBody>
+          <a:bodyPr/>
+          <a:lstStyle/>
+          <a:p>
+            <a:endParaRPr lang="zh-TW" altLang="en-US"/>
+          </a:p>
+        </p:txBody>
+      </p:sp>
+    </p:spTree>
+    <p:extLst>
+      <p:ext uri="{BB962C8B-B14F-4D97-AF65-F5344CB8AC3E}">
+        <p14:creationId xmlns:p14="http://schemas.microsoft.com/office/powerpoint/2010/main" val="2821068507"/>
+      </p:ext>
+    </p:extLst>
+  </p:cSld>
+  <p:clrMapOvr>
+    <a:masterClrMapping/>
+  </p:clrMapOvr>
+</p:sld>
+</file>
+
+<file path=ppt/slides/slide13.xml><?xml version="1.0" encoding="utf-8"?>
+<p:sld xmlns:a="http://schemas.openxmlformats.org/drawingml/2006/main" xmlns:r="http://schemas.openxmlformats.org/officeDocument/2006/relationships" xmlns:p="http://schemas.openxmlformats.org/presentationml/2006/main">
+  <p:cSld>
+    <p:spTree>
+      <p:nvGrpSpPr>
+        <p:cNvPr id="1" name=""/>
+        <p:cNvGrpSpPr/>
+        <p:nvPr/>
+      </p:nvGrpSpPr>
+      <p:grpSpPr>
+        <a:xfrm>
+          <a:off x="0" y="0"/>
+          <a:ext cx="0" cy="0"/>
+          <a:chOff x="0" y="0"/>
+          <a:chExt cx="0" cy="0"/>
+        </a:xfrm>
+      </p:grpSpPr>
+      <p:sp>
+        <p:nvSpPr>
+          <p:cNvPr id="2" name="標題 1"/>
+          <p:cNvSpPr>
+            <a:spLocks noGrp="1"/>
+          </p:cNvSpPr>
+          <p:nvPr>
+            <p:ph type="title"/>
+          </p:nvPr>
+        </p:nvSpPr>
+        <p:spPr/>
+        <p:txBody>
+          <a:bodyPr/>
+          <a:lstStyle/>
+          <a:p>
+            <a:endParaRPr lang="zh-TW" altLang="en-US"/>
+          </a:p>
+        </p:txBody>
+      </p:sp>
+      <p:sp>
+        <p:nvSpPr>
+          <p:cNvPr id="3" name="內容版面配置區 2"/>
+          <p:cNvSpPr>
+            <a:spLocks noGrp="1"/>
+          </p:cNvSpPr>
+          <p:nvPr>
+            <p:ph idx="1"/>
+          </p:nvPr>
+        </p:nvSpPr>
+        <p:spPr/>
+        <p:txBody>
+          <a:bodyPr/>
+          <a:lstStyle/>
+          <a:p>
+            <a:endParaRPr lang="zh-TW" altLang="en-US"/>
+          </a:p>
+        </p:txBody>
+      </p:sp>
+    </p:spTree>
+    <p:extLst>
+      <p:ext uri="{BB962C8B-B14F-4D97-AF65-F5344CB8AC3E}">
+        <p14:creationId xmlns:p14="http://schemas.microsoft.com/office/powerpoint/2010/main" val="900644380"/>
+      </p:ext>
+    </p:extLst>
+  </p:cSld>
+  <p:clrMapOvr>
+    <a:masterClrMapping/>
+  </p:clrMapOvr>
+</p:sld>
+</file>
+
+<file path=ppt/slides/slide14.xml><?xml version="1.0" encoding="utf-8"?>
+<p:sld xmlns:a="http://schemas.openxmlformats.org/drawingml/2006/main" xmlns:r="http://schemas.openxmlformats.org/officeDocument/2006/relationships" xmlns:p="http://schemas.openxmlformats.org/presentationml/2006/main">
+  <p:cSld>
+    <p:spTree>
+      <p:nvGrpSpPr>
+        <p:cNvPr id="1" name=""/>
+        <p:cNvGrpSpPr/>
+        <p:nvPr/>
+      </p:nvGrpSpPr>
+      <p:grpSpPr>
+        <a:xfrm>
+          <a:off x="0" y="0"/>
+          <a:ext cx="0" cy="0"/>
+          <a:chOff x="0" y="0"/>
+          <a:chExt cx="0" cy="0"/>
+        </a:xfrm>
+      </p:grpSpPr>
+      <p:sp>
+        <p:nvSpPr>
+          <p:cNvPr id="2" name="標題 1"/>
+          <p:cNvSpPr>
+            <a:spLocks noGrp="1"/>
+          </p:cNvSpPr>
+          <p:nvPr>
+            <p:ph type="title"/>
+          </p:nvPr>
+        </p:nvSpPr>
+        <p:spPr/>
+        <p:txBody>
+          <a:bodyPr/>
+          <a:lstStyle/>
+          <a:p>
+            <a:endParaRPr lang="zh-TW" altLang="en-US"/>
+          </a:p>
+        </p:txBody>
+      </p:sp>
+      <p:sp>
+        <p:nvSpPr>
+          <p:cNvPr id="3" name="內容版面配置區 2"/>
+          <p:cNvSpPr>
+            <a:spLocks noGrp="1"/>
+          </p:cNvSpPr>
+          <p:nvPr>
+            <p:ph idx="1"/>
+          </p:nvPr>
+        </p:nvSpPr>
+        <p:spPr/>
+        <p:txBody>
+          <a:bodyPr/>
+          <a:lstStyle/>
+          <a:p>
+            <a:endParaRPr lang="zh-TW" altLang="en-US"/>
+          </a:p>
+        </p:txBody>
+      </p:sp>
+    </p:spTree>
+    <p:extLst>
+      <p:ext uri="{BB962C8B-B14F-4D97-AF65-F5344CB8AC3E}">
+        <p14:creationId xmlns:p14="http://schemas.microsoft.com/office/powerpoint/2010/main" val="515591563"/>
+      </p:ext>
+    </p:extLst>
+  </p:cSld>
+  <p:clrMapOvr>
+    <a:masterClrMapping/>
+  </p:clrMapOvr>
+</p:sld>
+</file>
+
+<file path=ppt/slides/slide15.xml><?xml version="1.0" encoding="utf-8"?>
+<p:sld xmlns:a="http://schemas.openxmlformats.org/drawingml/2006/main" xmlns:r="http://schemas.openxmlformats.org/officeDocument/2006/relationships" xmlns:p="http://schemas.openxmlformats.org/presentationml/2006/main">
+  <p:cSld>
+    <p:spTree>
+      <p:nvGrpSpPr>
+        <p:cNvPr id="1" name=""/>
+        <p:cNvGrpSpPr/>
+        <p:nvPr/>
+      </p:nvGrpSpPr>
+      <p:grpSpPr>
+        <a:xfrm>
+          <a:off x="0" y="0"/>
+          <a:ext cx="0" cy="0"/>
+          <a:chOff x="0" y="0"/>
+          <a:chExt cx="0" cy="0"/>
+        </a:xfrm>
+      </p:grpSpPr>
+      <p:sp>
+        <p:nvSpPr>
+          <p:cNvPr id="2" name="標題 1"/>
+          <p:cNvSpPr>
+            <a:spLocks noGrp="1"/>
+          </p:cNvSpPr>
+          <p:nvPr>
+            <p:ph type="title"/>
+          </p:nvPr>
+        </p:nvSpPr>
+        <p:spPr/>
+        <p:txBody>
+          <a:bodyPr/>
+          <a:lstStyle/>
+          <a:p>
+            <a:endParaRPr lang="zh-TW" altLang="en-US"/>
+          </a:p>
+        </p:txBody>
+      </p:sp>
+      <p:sp>
+        <p:nvSpPr>
+          <p:cNvPr id="3" name="內容版面配置區 2"/>
+          <p:cNvSpPr>
+            <a:spLocks noGrp="1"/>
+          </p:cNvSpPr>
+          <p:nvPr>
+            <p:ph idx="1"/>
+          </p:nvPr>
+        </p:nvSpPr>
+        <p:spPr/>
+        <p:txBody>
+          <a:bodyPr/>
+          <a:lstStyle/>
+          <a:p>
+            <a:endParaRPr lang="zh-TW" altLang="en-US"/>
+          </a:p>
+        </p:txBody>
+      </p:sp>
+    </p:spTree>
+    <p:extLst>
+      <p:ext uri="{BB962C8B-B14F-4D97-AF65-F5344CB8AC3E}">
+        <p14:creationId xmlns:p14="http://schemas.microsoft.com/office/powerpoint/2010/main" val="1879918496"/>
+      </p:ext>
+    </p:extLst>
+  </p:cSld>
+  <p:clrMapOvr>
+    <a:masterClrMapping/>
+  </p:clrMapOvr>
+</p:sld>
+</file>
+
+<file path=ppt/slides/slide16.xml><?xml version="1.0" encoding="utf-8"?>
+<p:sld xmlns:a="http://schemas.openxmlformats.org/drawingml/2006/main" xmlns:r="http://schemas.openxmlformats.org/officeDocument/2006/relationships" xmlns:p="http://schemas.openxmlformats.org/presentationml/2006/main">
+  <p:cSld>
+    <p:spTree>
+      <p:nvGrpSpPr>
+        <p:cNvPr id="1" name=""/>
+        <p:cNvGrpSpPr/>
+        <p:nvPr/>
+      </p:nvGrpSpPr>
+      <p:grpSpPr>
+        <a:xfrm>
+          <a:off x="0" y="0"/>
+          <a:ext cx="0" cy="0"/>
+          <a:chOff x="0" y="0"/>
+          <a:chExt cx="0" cy="0"/>
+        </a:xfrm>
+      </p:grpSpPr>
+      <p:sp>
+        <p:nvSpPr>
+          <p:cNvPr id="2" name="標題 1"/>
+          <p:cNvSpPr>
+            <a:spLocks noGrp="1"/>
+          </p:cNvSpPr>
+          <p:nvPr>
+            <p:ph type="title"/>
+          </p:nvPr>
+        </p:nvSpPr>
+        <p:spPr/>
+        <p:txBody>
+          <a:bodyPr/>
+          <a:lstStyle/>
+          <a:p>
+            <a:endParaRPr lang="zh-TW" altLang="en-US"/>
+          </a:p>
+        </p:txBody>
+      </p:sp>
+      <p:sp>
+        <p:nvSpPr>
+          <p:cNvPr id="3" name="內容版面配置區 2"/>
+          <p:cNvSpPr>
+            <a:spLocks noGrp="1"/>
+          </p:cNvSpPr>
+          <p:nvPr>
+            <p:ph idx="1"/>
+          </p:nvPr>
+        </p:nvSpPr>
+        <p:spPr/>
+        <p:txBody>
+          <a:bodyPr/>
+          <a:lstStyle/>
+          <a:p>
+            <a:endParaRPr lang="zh-TW" altLang="en-US"/>
+          </a:p>
+        </p:txBody>
+      </p:sp>
+    </p:spTree>
+    <p:extLst>
+      <p:ext uri="{BB962C8B-B14F-4D97-AF65-F5344CB8AC3E}">
+        <p14:creationId xmlns:p14="http://schemas.microsoft.com/office/powerpoint/2010/main" val="1792456538"/>
+      </p:ext>
+    </p:extLst>
+  </p:cSld>
+  <p:clrMapOvr>
+    <a:masterClrMapping/>
+  </p:clrMapOvr>
+</p:sld>
+</file>
+
+<file path=ppt/slides/slide17.xml><?xml version="1.0" encoding="utf-8"?>
+<p:sld xmlns:a="http://schemas.openxmlformats.org/drawingml/2006/main" xmlns:r="http://schemas.openxmlformats.org/officeDocument/2006/relationships" xmlns:p="http://schemas.openxmlformats.org/presentationml/2006/main">
+  <p:cSld>
+    <p:spTree>
+      <p:nvGrpSpPr>
+        <p:cNvPr id="1" name=""/>
+        <p:cNvGrpSpPr/>
+        <p:nvPr/>
+      </p:nvGrpSpPr>
+      <p:grpSpPr>
+        <a:xfrm>
+          <a:off x="0" y="0"/>
+          <a:ext cx="0" cy="0"/>
+          <a:chOff x="0" y="0"/>
+          <a:chExt cx="0" cy="0"/>
+        </a:xfrm>
+      </p:grpSpPr>
+      <p:sp>
+        <p:nvSpPr>
+          <p:cNvPr id="2" name="標題 1"/>
+          <p:cNvSpPr>
+            <a:spLocks noGrp="1"/>
+          </p:cNvSpPr>
+          <p:nvPr>
+            <p:ph type="title"/>
+          </p:nvPr>
+        </p:nvSpPr>
+        <p:spPr/>
+        <p:txBody>
+          <a:bodyPr/>
+          <a:lstStyle/>
+          <a:p>
+            <a:endParaRPr lang="zh-TW" altLang="en-US"/>
+          </a:p>
+        </p:txBody>
+      </p:sp>
+      <p:sp>
+        <p:nvSpPr>
+          <p:cNvPr id="3" name="內容版面配置區 2"/>
+          <p:cNvSpPr>
+            <a:spLocks noGrp="1"/>
+          </p:cNvSpPr>
+          <p:nvPr>
+            <p:ph idx="1"/>
+          </p:nvPr>
+        </p:nvSpPr>
+        <p:spPr/>
+        <p:txBody>
+          <a:bodyPr/>
+          <a:lstStyle/>
+          <a:p>
+            <a:endParaRPr lang="zh-TW" altLang="en-US"/>
+          </a:p>
+        </p:txBody>
+      </p:sp>
+    </p:spTree>
+    <p:extLst>
+      <p:ext uri="{BB962C8B-B14F-4D97-AF65-F5344CB8AC3E}">
+        <p14:creationId xmlns:p14="http://schemas.microsoft.com/office/powerpoint/2010/main" val="540353970"/>
       </p:ext>
     </p:extLst>
   </p:cSld>
